--- a/docs/Final_presentation.pptx
+++ b/docs/Final_presentation.pptx
@@ -272,7 +272,7 @@
           <a:p>
             <a:fld id="{CCC83698-6D55-469B-B681-4A52A205074C}" type="datetimeFigureOut">
               <a:rPr lang="en-US" smtClean="0"/>
-              <a:t>5/4/23</a:t>
+              <a:t>5/5/23</a:t>
             </a:fld>
             <a:endParaRPr lang="en-US"/>
           </a:p>
@@ -470,7 +470,7 @@
           <a:p>
             <a:fld id="{CCC83698-6D55-469B-B681-4A52A205074C}" type="datetimeFigureOut">
               <a:rPr lang="en-US" smtClean="0"/>
-              <a:t>5/4/23</a:t>
+              <a:t>5/5/23</a:t>
             </a:fld>
             <a:endParaRPr lang="en-US"/>
           </a:p>
@@ -678,7 +678,7 @@
           <a:p>
             <a:fld id="{CCC83698-6D55-469B-B681-4A52A205074C}" type="datetimeFigureOut">
               <a:rPr lang="en-US" smtClean="0"/>
-              <a:t>5/4/23</a:t>
+              <a:t>5/5/23</a:t>
             </a:fld>
             <a:endParaRPr lang="en-US"/>
           </a:p>
@@ -876,7 +876,7 @@
           <a:p>
             <a:fld id="{CCC83698-6D55-469B-B681-4A52A205074C}" type="datetimeFigureOut">
               <a:rPr lang="en-US" smtClean="0"/>
-              <a:t>5/4/23</a:t>
+              <a:t>5/5/23</a:t>
             </a:fld>
             <a:endParaRPr lang="en-US"/>
           </a:p>
@@ -1151,7 +1151,7 @@
           <a:p>
             <a:fld id="{CCC83698-6D55-469B-B681-4A52A205074C}" type="datetimeFigureOut">
               <a:rPr lang="en-US" smtClean="0"/>
-              <a:t>5/4/23</a:t>
+              <a:t>5/5/23</a:t>
             </a:fld>
             <a:endParaRPr lang="en-US"/>
           </a:p>
@@ -1416,7 +1416,7 @@
           <a:p>
             <a:fld id="{CCC83698-6D55-469B-B681-4A52A205074C}" type="datetimeFigureOut">
               <a:rPr lang="en-US" smtClean="0"/>
-              <a:t>5/4/23</a:t>
+              <a:t>5/5/23</a:t>
             </a:fld>
             <a:endParaRPr lang="en-US"/>
           </a:p>
@@ -1828,7 +1828,7 @@
           <a:p>
             <a:fld id="{CCC83698-6D55-469B-B681-4A52A205074C}" type="datetimeFigureOut">
               <a:rPr lang="en-US" smtClean="0"/>
-              <a:t>5/4/23</a:t>
+              <a:t>5/5/23</a:t>
             </a:fld>
             <a:endParaRPr lang="en-US"/>
           </a:p>
@@ -1969,7 +1969,7 @@
           <a:p>
             <a:fld id="{CCC83698-6D55-469B-B681-4A52A205074C}" type="datetimeFigureOut">
               <a:rPr lang="en-US" smtClean="0"/>
-              <a:t>5/4/23</a:t>
+              <a:t>5/5/23</a:t>
             </a:fld>
             <a:endParaRPr lang="en-US"/>
           </a:p>
@@ -2082,7 +2082,7 @@
           <a:p>
             <a:fld id="{CCC83698-6D55-469B-B681-4A52A205074C}" type="datetimeFigureOut">
               <a:rPr lang="en-US" smtClean="0"/>
-              <a:t>5/4/23</a:t>
+              <a:t>5/5/23</a:t>
             </a:fld>
             <a:endParaRPr lang="en-US"/>
           </a:p>
@@ -2393,7 +2393,7 @@
           <a:p>
             <a:fld id="{CCC83698-6D55-469B-B681-4A52A205074C}" type="datetimeFigureOut">
               <a:rPr lang="en-US" smtClean="0"/>
-              <a:t>5/4/23</a:t>
+              <a:t>5/5/23</a:t>
             </a:fld>
             <a:endParaRPr lang="en-US"/>
           </a:p>
@@ -2681,7 +2681,7 @@
           <a:p>
             <a:fld id="{CCC83698-6D55-469B-B681-4A52A205074C}" type="datetimeFigureOut">
               <a:rPr lang="en-US" smtClean="0"/>
-              <a:t>5/4/23</a:t>
+              <a:t>5/5/23</a:t>
             </a:fld>
             <a:endParaRPr lang="en-US"/>
           </a:p>
@@ -2922,7 +2922,7 @@
           <a:p>
             <a:fld id="{CCC83698-6D55-469B-B681-4A52A205074C}" type="datetimeFigureOut">
               <a:rPr lang="en-US" smtClean="0"/>
-              <a:t>5/4/23</a:t>
+              <a:t>5/5/23</a:t>
             </a:fld>
             <a:endParaRPr lang="en-US"/>
           </a:p>
@@ -4553,7 +4553,7 @@
             <a:pPr algn="ctr"/>
             <a:r>
               <a:rPr lang="en-US" dirty="0"/>
-              <a:t>Case 1: Population Density (</a:t>
+              <a:t>Case 1: Continent (</a:t>
             </a:r>
             <a:r>
               <a:rPr lang="en-IN" dirty="0"/>
@@ -5409,10 +5409,10 @@
       </p:sp>
       <p:sp>
         <p:nvSpPr>
-          <p:cNvPr id="1043" name="Rectangle: Rounded Corners 28">
-            <a:extLst>
-              <a:ext uri="{FF2B5EF4-FFF2-40B4-BE49-F238E27FC236}">
-                <a16:creationId xmlns:a16="http://schemas.microsoft.com/office/drawing/2014/main" id="{D2E1CB4D-18F4-3E2E-6DD2-4DE11CB910B6}"/>
+          <p:cNvPr id="1044" name="Rectangle: Rounded Corners 28">
+            <a:extLst>
+              <a:ext uri="{FF2B5EF4-FFF2-40B4-BE49-F238E27FC236}">
+                <a16:creationId xmlns:a16="http://schemas.microsoft.com/office/drawing/2014/main" id="{8AD57E0D-3762-4520-4F3B-1BAF866179A8}"/>
               </a:ext>
             </a:extLst>
           </p:cNvPr>
@@ -5421,8 +5421,8 @@
         </p:nvSpPr>
         <p:spPr>
           <a:xfrm>
-            <a:off x="6474036" y="4130453"/>
-            <a:ext cx="2014547" cy="436935"/>
+            <a:off x="3428417" y="1997401"/>
+            <a:ext cx="1208313" cy="681395"/>
           </a:xfrm>
           <a:prstGeom prst="roundRect">
             <a:avLst/>
@@ -5456,17 +5456,17 @@
             <a:pPr algn="ctr"/>
             <a:r>
               <a:rPr lang="en-US" dirty="0"/>
-              <a:t>Logistic Regression</a:t>
+              <a:t>Preparing Data</a:t>
             </a:r>
           </a:p>
         </p:txBody>
       </p:sp>
       <p:sp>
         <p:nvSpPr>
-          <p:cNvPr id="1044" name="Rectangle: Rounded Corners 28">
-            <a:extLst>
-              <a:ext uri="{FF2B5EF4-FFF2-40B4-BE49-F238E27FC236}">
-                <a16:creationId xmlns:a16="http://schemas.microsoft.com/office/drawing/2014/main" id="{8AD57E0D-3762-4520-4F3B-1BAF866179A8}"/>
+          <p:cNvPr id="1045" name="Rectangle: Rounded Corners 28">
+            <a:extLst>
+              <a:ext uri="{FF2B5EF4-FFF2-40B4-BE49-F238E27FC236}">
+                <a16:creationId xmlns:a16="http://schemas.microsoft.com/office/drawing/2014/main" id="{98D9D290-59B9-7F26-AB8D-DC4969E8558E}"/>
               </a:ext>
             </a:extLst>
           </p:cNvPr>
@@ -5475,7 +5475,7 @@
         </p:nvSpPr>
         <p:spPr>
           <a:xfrm>
-            <a:off x="3428417" y="1997401"/>
+            <a:off x="3428513" y="4512024"/>
             <a:ext cx="1208313" cy="681395"/>
           </a:xfrm>
           <a:prstGeom prst="roundRect">
@@ -5517,10 +5517,10 @@
       </p:sp>
       <p:sp>
         <p:nvSpPr>
-          <p:cNvPr id="1045" name="Rectangle: Rounded Corners 28">
-            <a:extLst>
-              <a:ext uri="{FF2B5EF4-FFF2-40B4-BE49-F238E27FC236}">
-                <a16:creationId xmlns:a16="http://schemas.microsoft.com/office/drawing/2014/main" id="{98D9D290-59B9-7F26-AB8D-DC4969E8558E}"/>
+          <p:cNvPr id="1046" name="Rectangle: Rounded Corners 28">
+            <a:extLst>
+              <a:ext uri="{FF2B5EF4-FFF2-40B4-BE49-F238E27FC236}">
+                <a16:creationId xmlns:a16="http://schemas.microsoft.com/office/drawing/2014/main" id="{1958AECE-6729-9AF0-3A40-33ACF097B147}"/>
               </a:ext>
             </a:extLst>
           </p:cNvPr>
@@ -5529,8 +5529,8 @@
         </p:nvSpPr>
         <p:spPr>
           <a:xfrm>
-            <a:off x="3428513" y="4512024"/>
-            <a:ext cx="1208313" cy="681395"/>
+            <a:off x="6439069" y="4367599"/>
+            <a:ext cx="2494968" cy="436935"/>
           </a:xfrm>
           <a:prstGeom prst="roundRect">
             <a:avLst/>
@@ -5564,17 +5564,17 @@
             <a:pPr algn="ctr"/>
             <a:r>
               <a:rPr lang="en-US" dirty="0"/>
-              <a:t>Preparing Data</a:t>
+              <a:t>Decision Tree Classifier</a:t>
             </a:r>
           </a:p>
         </p:txBody>
       </p:sp>
       <p:sp>
         <p:nvSpPr>
-          <p:cNvPr id="1046" name="Rectangle: Rounded Corners 28">
-            <a:extLst>
-              <a:ext uri="{FF2B5EF4-FFF2-40B4-BE49-F238E27FC236}">
-                <a16:creationId xmlns:a16="http://schemas.microsoft.com/office/drawing/2014/main" id="{1958AECE-6729-9AF0-3A40-33ACF097B147}"/>
+          <p:cNvPr id="1047" name="Rectangle: Rounded Corners 28">
+            <a:extLst>
+              <a:ext uri="{FF2B5EF4-FFF2-40B4-BE49-F238E27FC236}">
+                <a16:creationId xmlns:a16="http://schemas.microsoft.com/office/drawing/2014/main" id="{5D8CF24D-0648-9BDB-3755-09F98B10CAE1}"/>
               </a:ext>
             </a:extLst>
           </p:cNvPr>
@@ -5583,8 +5583,8 @@
         </p:nvSpPr>
         <p:spPr>
           <a:xfrm>
-            <a:off x="6388595" y="4835667"/>
-            <a:ext cx="2494968" cy="436935"/>
+            <a:off x="6418225" y="5223365"/>
+            <a:ext cx="2778551" cy="436935"/>
           </a:xfrm>
           <a:prstGeom prst="roundRect">
             <a:avLst/>
@@ -5618,60 +5618,6 @@
             <a:pPr algn="ctr"/>
             <a:r>
               <a:rPr lang="en-US" dirty="0"/>
-              <a:t>Decision Tree Classifier</a:t>
-            </a:r>
-          </a:p>
-        </p:txBody>
-      </p:sp>
-      <p:sp>
-        <p:nvSpPr>
-          <p:cNvPr id="1047" name="Rectangle: Rounded Corners 28">
-            <a:extLst>
-              <a:ext uri="{FF2B5EF4-FFF2-40B4-BE49-F238E27FC236}">
-                <a16:creationId xmlns:a16="http://schemas.microsoft.com/office/drawing/2014/main" id="{5D8CF24D-0648-9BDB-3755-09F98B10CAE1}"/>
-              </a:ext>
-            </a:extLst>
-          </p:cNvPr>
-          <p:cNvSpPr/>
-          <p:nvPr/>
-        </p:nvSpPr>
-        <p:spPr>
-          <a:xfrm>
-            <a:off x="6305724" y="5478304"/>
-            <a:ext cx="2778551" cy="436935"/>
-          </a:xfrm>
-          <a:prstGeom prst="roundRect">
-            <a:avLst/>
-          </a:prstGeom>
-          <a:ln>
-            <a:solidFill>
-              <a:schemeClr val="bg1"/>
-            </a:solidFill>
-          </a:ln>
-        </p:spPr>
-        <p:style>
-          <a:lnRef idx="2">
-            <a:schemeClr val="accent1">
-              <a:shade val="50000"/>
-            </a:schemeClr>
-          </a:lnRef>
-          <a:fillRef idx="1">
-            <a:schemeClr val="accent1"/>
-          </a:fillRef>
-          <a:effectRef idx="0">
-            <a:schemeClr val="accent1"/>
-          </a:effectRef>
-          <a:fontRef idx="minor">
-            <a:schemeClr val="lt1"/>
-          </a:fontRef>
-        </p:style>
-        <p:txBody>
-          <a:bodyPr rtlCol="0" anchor="ctr"/>
-          <a:lstStyle/>
-          <a:p>
-            <a:pPr algn="ctr"/>
-            <a:r>
-              <a:rPr lang="en-US" dirty="0"/>
               <a:t>Random Forest Regression</a:t>
             </a:r>
           </a:p>
@@ -5691,7 +5637,7 @@
         </p:nvSpPr>
         <p:spPr>
           <a:xfrm>
-            <a:off x="9785490" y="4448011"/>
+            <a:off x="9785490" y="4564858"/>
             <a:ext cx="1331642" cy="914878"/>
           </a:xfrm>
           <a:prstGeom prst="roundRect">
@@ -6398,52 +6344,6 @@
       </p:cxnSp>
       <p:cxnSp>
         <p:nvCxnSpPr>
-          <p:cNvPr id="1126" name="Straight Arrow Connector 1125">
-            <a:extLst>
-              <a:ext uri="{FF2B5EF4-FFF2-40B4-BE49-F238E27FC236}">
-                <a16:creationId xmlns:a16="http://schemas.microsoft.com/office/drawing/2014/main" id="{98924E13-5BAF-146D-EA08-ABDBAB1A3DED}"/>
-              </a:ext>
-            </a:extLst>
-          </p:cNvPr>
-          <p:cNvCxnSpPr>
-            <a:cxnSpLocks/>
-            <a:stCxn id="59" idx="3"/>
-            <a:endCxn id="1043" idx="1"/>
-          </p:cNvCxnSpPr>
-          <p:nvPr/>
-        </p:nvCxnSpPr>
-        <p:spPr>
-          <a:xfrm flipV="1">
-            <a:off x="6018548" y="4348921"/>
-            <a:ext cx="455488" cy="1092911"/>
-          </a:xfrm>
-          <a:prstGeom prst="straightConnector1">
-            <a:avLst/>
-          </a:prstGeom>
-          <a:ln>
-            <a:solidFill>
-              <a:srgbClr val="C00000"/>
-            </a:solidFill>
-            <a:tailEnd type="triangle"/>
-          </a:ln>
-        </p:spPr>
-        <p:style>
-          <a:lnRef idx="1">
-            <a:schemeClr val="accent1"/>
-          </a:lnRef>
-          <a:fillRef idx="0">
-            <a:schemeClr val="accent1"/>
-          </a:fillRef>
-          <a:effectRef idx="0">
-            <a:schemeClr val="accent1"/>
-          </a:effectRef>
-          <a:fontRef idx="minor">
-            <a:schemeClr val="tx1"/>
-          </a:fontRef>
-        </p:style>
-      </p:cxnSp>
-      <p:cxnSp>
-        <p:nvCxnSpPr>
           <p:cNvPr id="1135" name="Straight Arrow Connector 1134">
             <a:extLst>
               <a:ext uri="{FF2B5EF4-FFF2-40B4-BE49-F238E27FC236}">
@@ -6460,8 +6360,8 @@
         </p:nvCxnSpPr>
         <p:spPr>
           <a:xfrm flipV="1">
-            <a:off x="6018548" y="5054135"/>
-            <a:ext cx="370047" cy="387697"/>
+            <a:off x="6018548" y="4586067"/>
+            <a:ext cx="420521" cy="855765"/>
           </a:xfrm>
           <a:prstGeom prst="straightConnector1">
             <a:avLst/>
@@ -6507,52 +6407,7 @@
         <p:spPr>
           <a:xfrm>
             <a:off x="6018548" y="5441832"/>
-            <a:ext cx="287176" cy="254940"/>
-          </a:xfrm>
-          <a:prstGeom prst="straightConnector1">
-            <a:avLst/>
-          </a:prstGeom>
-          <a:ln>
-            <a:solidFill>
-              <a:srgbClr val="C00000"/>
-            </a:solidFill>
-            <a:tailEnd type="triangle"/>
-          </a:ln>
-        </p:spPr>
-        <p:style>
-          <a:lnRef idx="1">
-            <a:schemeClr val="accent1"/>
-          </a:lnRef>
-          <a:fillRef idx="0">
-            <a:schemeClr val="accent1"/>
-          </a:fillRef>
-          <a:effectRef idx="0">
-            <a:schemeClr val="accent1"/>
-          </a:effectRef>
-          <a:fontRef idx="minor">
-            <a:schemeClr val="tx1"/>
-          </a:fontRef>
-        </p:style>
-      </p:cxnSp>
-      <p:cxnSp>
-        <p:nvCxnSpPr>
-          <p:cNvPr id="1137" name="Straight Arrow Connector 1136">
-            <a:extLst>
-              <a:ext uri="{FF2B5EF4-FFF2-40B4-BE49-F238E27FC236}">
-                <a16:creationId xmlns:a16="http://schemas.microsoft.com/office/drawing/2014/main" id="{6FE33A22-9502-5FC5-DD25-4DD52C45F411}"/>
-              </a:ext>
-            </a:extLst>
-          </p:cNvPr>
-          <p:cNvCxnSpPr>
-            <a:cxnSpLocks/>
-            <a:endCxn id="1049" idx="1"/>
-          </p:cNvCxnSpPr>
-          <p:nvPr/>
-        </p:nvCxnSpPr>
-        <p:spPr>
-          <a:xfrm>
-            <a:off x="8514881" y="4384073"/>
-            <a:ext cx="1270609" cy="521377"/>
+            <a:ext cx="399677" cy="1"/>
           </a:xfrm>
           <a:prstGeom prst="straightConnector1">
             <a:avLst/>
@@ -6596,9 +6451,9 @@
           <p:nvPr/>
         </p:nvCxnSpPr>
         <p:spPr>
-          <a:xfrm flipV="1">
-            <a:off x="8883563" y="4905450"/>
-            <a:ext cx="901927" cy="148685"/>
+          <a:xfrm>
+            <a:off x="8934037" y="4586067"/>
+            <a:ext cx="851453" cy="436230"/>
           </a:xfrm>
           <a:prstGeom prst="straightConnector1">
             <a:avLst/>
@@ -6643,8 +6498,8 @@
         </p:nvCxnSpPr>
         <p:spPr>
           <a:xfrm flipV="1">
-            <a:off x="9084275" y="4905450"/>
-            <a:ext cx="701215" cy="791322"/>
+            <a:off x="9196776" y="5022297"/>
+            <a:ext cx="588714" cy="419536"/>
           </a:xfrm>
           <a:prstGeom prst="straightConnector1">
             <a:avLst/>
@@ -7130,7 +6985,7 @@
             </a:pPr>
             <a:r>
               <a:rPr lang="en-IN" sz="2400" dirty="0"/>
-              <a:t>We can say that model’s accuracy has improved after SMOTE on the train and test data.</a:t>
+              <a:t>We can say that model’s accuracy has reduced after SMOTE on the train and test data.</a:t>
             </a:r>
           </a:p>
         </p:txBody>
@@ -7310,7 +7165,7 @@
           <p:nvPr>
             <p:extLst>
               <p:ext uri="{D42A27DB-BD31-4B8C-83A1-F6EECF244321}">
-                <p14:modId xmlns:p14="http://schemas.microsoft.com/office/powerpoint/2010/main" val="780331949"/>
+                <p14:modId xmlns:p14="http://schemas.microsoft.com/office/powerpoint/2010/main" val="809772635"/>
               </p:ext>
             </p:extLst>
           </p:nvPr>
@@ -7370,7 +7225,7 @@
                           <a:effectLst/>
                           <a:latin typeface="Source Code Pro" panose="020B0509030403020204" pitchFamily="49" charset="0"/>
                         </a:rPr>
-                        <a:t>55.60</a:t>
+                        <a:t>26.91</a:t>
                       </a:r>
                       <a:r>
                         <a:rPr lang="en-US" sz="2000" dirty="0"/>
@@ -7401,7 +7256,7 @@
                           <a:effectLst/>
                           <a:latin typeface="Source Code Pro" panose="020B0509030403020204" pitchFamily="49" charset="0"/>
                         </a:rPr>
-                        <a:t>81.90</a:t>
+                        <a:t>72.91</a:t>
                       </a:r>
                       <a:r>
                         <a:rPr lang="en-US" sz="2000" dirty="0"/>
@@ -7432,7 +7287,7 @@
                           <a:effectLst/>
                           <a:latin typeface="Source Code Pro" panose="020B0509030403020204" pitchFamily="49" charset="0"/>
                         </a:rPr>
-                        <a:t>70.59</a:t>
+                        <a:t>52.29</a:t>
                       </a:r>
                       <a:r>
                         <a:rPr lang="en-US" sz="2000" dirty="0">
@@ -7631,7 +7486,7 @@
           <p:nvPr>
             <p:extLst>
               <p:ext uri="{D42A27DB-BD31-4B8C-83A1-F6EECF244321}">
-                <p14:modId xmlns:p14="http://schemas.microsoft.com/office/powerpoint/2010/main" val="2977294264"/>
+                <p14:modId xmlns:p14="http://schemas.microsoft.com/office/powerpoint/2010/main" val="3790037369"/>
               </p:ext>
             </p:extLst>
           </p:nvPr>
@@ -7691,7 +7546,7 @@
                           <a:effectLst/>
                           <a:latin typeface="Source Code Pro" panose="020B0509030403020204" pitchFamily="49" charset="0"/>
                         </a:rPr>
-                        <a:t>52.45</a:t>
+                        <a:t>21.19</a:t>
                       </a:r>
                       <a:r>
                         <a:rPr lang="en-US" sz="2000" dirty="0"/>
@@ -7722,7 +7577,7 @@
                           <a:effectLst/>
                           <a:latin typeface="Source Code Pro" panose="020B0509030403020204" pitchFamily="49" charset="0"/>
                         </a:rPr>
-                        <a:t>86.09</a:t>
+                        <a:t>72.35</a:t>
                       </a:r>
                       <a:r>
                         <a:rPr lang="en-US" sz="2000" dirty="0"/>
@@ -7753,7 +7608,7 @@
                           <a:effectLst/>
                           <a:latin typeface="Source Code Pro" panose="020B0509030403020204" pitchFamily="49" charset="0"/>
                         </a:rPr>
-                        <a:t>73.98</a:t>
+                        <a:t>55.09</a:t>
                       </a:r>
                       <a:r>
                         <a:rPr lang="en-US" sz="2000" dirty="0">
@@ -10126,10 +9981,10 @@
       </p:sp>
       <p:sp>
         <p:nvSpPr>
-          <p:cNvPr id="28" name="Rectangle: Rounded Corners 27">
-            <a:extLst>
-              <a:ext uri="{FF2B5EF4-FFF2-40B4-BE49-F238E27FC236}">
-                <a16:creationId xmlns:a16="http://schemas.microsoft.com/office/drawing/2014/main" id="{E1B6179D-F5B2-73DC-D357-3CBD6C4AF481}"/>
+          <p:cNvPr id="34" name="Rectangle: Rounded Corners 33">
+            <a:extLst>
+              <a:ext uri="{FF2B5EF4-FFF2-40B4-BE49-F238E27FC236}">
+                <a16:creationId xmlns:a16="http://schemas.microsoft.com/office/drawing/2014/main" id="{E5B79866-679F-6FEC-90C1-68B3968BD33D}"/>
               </a:ext>
             </a:extLst>
           </p:cNvPr>
@@ -10138,8 +9993,8 @@
         </p:nvSpPr>
         <p:spPr>
           <a:xfrm>
-            <a:off x="8906640" y="2590352"/>
-            <a:ext cx="1949743" cy="646279"/>
+            <a:off x="988355" y="2790772"/>
+            <a:ext cx="2722041" cy="778174"/>
           </a:xfrm>
           <a:prstGeom prst="roundRect">
             <a:avLst/>
@@ -10173,7 +10028,15 @@
             <a:pPr algn="ctr"/>
             <a:r>
               <a:rPr lang="en-IN" dirty="0"/>
-              <a:t>Selecting Features</a:t>
+              <a:t>Gaining insights on the data </a:t>
+            </a:r>
+            <a:r>
+              <a:rPr lang="en-IN" dirty="0" err="1"/>
+              <a:t>w.r.t</a:t>
+            </a:r>
+            <a:r>
+              <a:rPr lang="en-IN" dirty="0"/>
+              <a:t> its features</a:t>
             </a:r>
             <a:endParaRPr lang="en-US" dirty="0"/>
           </a:p>
@@ -10181,10 +10044,10 @@
       </p:sp>
       <p:sp>
         <p:nvSpPr>
-          <p:cNvPr id="34" name="Rectangle: Rounded Corners 33">
-            <a:extLst>
-              <a:ext uri="{FF2B5EF4-FFF2-40B4-BE49-F238E27FC236}">
-                <a16:creationId xmlns:a16="http://schemas.microsoft.com/office/drawing/2014/main" id="{E5B79866-679F-6FEC-90C1-68B3968BD33D}"/>
+          <p:cNvPr id="36" name="Rectangle: Rounded Corners 35">
+            <a:extLst>
+              <a:ext uri="{FF2B5EF4-FFF2-40B4-BE49-F238E27FC236}">
+                <a16:creationId xmlns:a16="http://schemas.microsoft.com/office/drawing/2014/main" id="{88FBBAC3-99C6-1656-8EE3-AF12FD38FCA9}"/>
               </a:ext>
             </a:extLst>
           </p:cNvPr>
@@ -10193,8 +10056,8 @@
         </p:nvSpPr>
         <p:spPr>
           <a:xfrm>
-            <a:off x="988355" y="2790772"/>
-            <a:ext cx="2722041" cy="778174"/>
+            <a:off x="303266" y="1239474"/>
+            <a:ext cx="2238935" cy="949096"/>
           </a:xfrm>
           <a:prstGeom prst="roundRect">
             <a:avLst/>
@@ -10228,26 +10091,17 @@
             <a:pPr algn="ctr"/>
             <a:r>
               <a:rPr lang="en-IN" dirty="0"/>
-              <a:t>Gaining insights on the data </a:t>
-            </a:r>
-            <a:r>
-              <a:rPr lang="en-IN" dirty="0" err="1"/>
-              <a:t>w.r.t</a:t>
-            </a:r>
-            <a:r>
-              <a:rPr lang="en-IN" dirty="0"/>
-              <a:t> its features</a:t>
-            </a:r>
-            <a:endParaRPr lang="en-US" dirty="0"/>
+              <a:t>Setup and Install necessary packages</a:t>
+            </a:r>
           </a:p>
         </p:txBody>
       </p:sp>
       <p:sp>
         <p:nvSpPr>
-          <p:cNvPr id="36" name="Rectangle: Rounded Corners 35">
-            <a:extLst>
-              <a:ext uri="{FF2B5EF4-FFF2-40B4-BE49-F238E27FC236}">
-                <a16:creationId xmlns:a16="http://schemas.microsoft.com/office/drawing/2014/main" id="{88FBBAC3-99C6-1656-8EE3-AF12FD38FCA9}"/>
+          <p:cNvPr id="38" name="Rectangle: Rounded Corners 37">
+            <a:extLst>
+              <a:ext uri="{FF2B5EF4-FFF2-40B4-BE49-F238E27FC236}">
+                <a16:creationId xmlns:a16="http://schemas.microsoft.com/office/drawing/2014/main" id="{F5B2D854-1E0A-F2DD-E317-61B4D847FE28}"/>
               </a:ext>
             </a:extLst>
           </p:cNvPr>
@@ -10256,8 +10110,8 @@
         </p:nvSpPr>
         <p:spPr>
           <a:xfrm>
-            <a:off x="303266" y="1239474"/>
-            <a:ext cx="2238935" cy="949096"/>
+            <a:off x="1348085" y="4431382"/>
+            <a:ext cx="2002579" cy="1101314"/>
           </a:xfrm>
           <a:prstGeom prst="roundRect">
             <a:avLst/>
@@ -10290,18 +10144,18 @@
           <a:p>
             <a:pPr algn="ctr"/>
             <a:r>
-              <a:rPr lang="en-IN" dirty="0"/>
-              <a:t>Setup and Install necessary packages</a:t>
+              <a:rPr lang="en-US" dirty="0"/>
+              <a:t>Visualizing the data</a:t>
             </a:r>
           </a:p>
         </p:txBody>
       </p:sp>
       <p:sp>
         <p:nvSpPr>
-          <p:cNvPr id="38" name="Rectangle: Rounded Corners 37">
-            <a:extLst>
-              <a:ext uri="{FF2B5EF4-FFF2-40B4-BE49-F238E27FC236}">
-                <a16:creationId xmlns:a16="http://schemas.microsoft.com/office/drawing/2014/main" id="{F5B2D854-1E0A-F2DD-E317-61B4D847FE28}"/>
+          <p:cNvPr id="5" name="Rectangle: Rounded Corners 4">
+            <a:extLst>
+              <a:ext uri="{FF2B5EF4-FFF2-40B4-BE49-F238E27FC236}">
+                <a16:creationId xmlns:a16="http://schemas.microsoft.com/office/drawing/2014/main" id="{AF0BC825-454E-718E-6460-A9B830499898}"/>
               </a:ext>
             </a:extLst>
           </p:cNvPr>
@@ -10310,8 +10164,8 @@
         </p:nvSpPr>
         <p:spPr>
           <a:xfrm>
-            <a:off x="1348085" y="4431382"/>
-            <a:ext cx="2002579" cy="1101314"/>
+            <a:off x="4582780" y="5273600"/>
+            <a:ext cx="3249415" cy="892079"/>
           </a:xfrm>
           <a:prstGeom prst="roundRect">
             <a:avLst/>
@@ -10344,117 +10198,8 @@
           <a:p>
             <a:pPr algn="ctr"/>
             <a:r>
-              <a:rPr lang="en-US" dirty="0"/>
-              <a:t>Visualizing the data</a:t>
-            </a:r>
-          </a:p>
-        </p:txBody>
-      </p:sp>
-      <p:sp>
-        <p:nvSpPr>
-          <p:cNvPr id="5" name="Rectangle: Rounded Corners 4">
-            <a:extLst>
-              <a:ext uri="{FF2B5EF4-FFF2-40B4-BE49-F238E27FC236}">
-                <a16:creationId xmlns:a16="http://schemas.microsoft.com/office/drawing/2014/main" id="{AF0BC825-454E-718E-6460-A9B830499898}"/>
-              </a:ext>
-            </a:extLst>
-          </p:cNvPr>
-          <p:cNvSpPr/>
-          <p:nvPr/>
-        </p:nvSpPr>
-        <p:spPr>
-          <a:xfrm>
-            <a:off x="4471292" y="5044911"/>
-            <a:ext cx="3249415" cy="892079"/>
-          </a:xfrm>
-          <a:prstGeom prst="roundRect">
-            <a:avLst/>
-          </a:prstGeom>
-          <a:ln>
-            <a:solidFill>
-              <a:schemeClr val="bg1"/>
-            </a:solidFill>
-          </a:ln>
-        </p:spPr>
-        <p:style>
-          <a:lnRef idx="2">
-            <a:schemeClr val="accent1">
-              <a:shade val="50000"/>
-            </a:schemeClr>
-          </a:lnRef>
-          <a:fillRef idx="1">
-            <a:schemeClr val="accent1"/>
-          </a:fillRef>
-          <a:effectRef idx="0">
-            <a:schemeClr val="accent1"/>
-          </a:effectRef>
-          <a:fontRef idx="minor">
-            <a:schemeClr val="lt1"/>
-          </a:fontRef>
-        </p:style>
-        <p:txBody>
-          <a:bodyPr rtlCol="0" anchor="ctr"/>
-          <a:lstStyle/>
-          <a:p>
-            <a:pPr algn="ctr"/>
-            <a:r>
               <a:rPr lang="en-IN" dirty="0"/>
               <a:t>Finding the best model of analysing that case</a:t>
-            </a:r>
-            <a:endParaRPr lang="en-US" dirty="0"/>
-          </a:p>
-        </p:txBody>
-      </p:sp>
-      <p:sp>
-        <p:nvSpPr>
-          <p:cNvPr id="7" name="Rectangle: Rounded Corners 6">
-            <a:extLst>
-              <a:ext uri="{FF2B5EF4-FFF2-40B4-BE49-F238E27FC236}">
-                <a16:creationId xmlns:a16="http://schemas.microsoft.com/office/drawing/2014/main" id="{391A3345-BBFA-3262-BB8A-C7C944D3A770}"/>
-              </a:ext>
-            </a:extLst>
-          </p:cNvPr>
-          <p:cNvSpPr/>
-          <p:nvPr/>
-        </p:nvSpPr>
-        <p:spPr>
-          <a:xfrm>
-            <a:off x="5143953" y="2644215"/>
-            <a:ext cx="3064780" cy="744616"/>
-          </a:xfrm>
-          <a:prstGeom prst="roundRect">
-            <a:avLst/>
-          </a:prstGeom>
-          <a:ln>
-            <a:solidFill>
-              <a:schemeClr val="bg1"/>
-            </a:solidFill>
-          </a:ln>
-        </p:spPr>
-        <p:style>
-          <a:lnRef idx="2">
-            <a:schemeClr val="accent1">
-              <a:shade val="50000"/>
-            </a:schemeClr>
-          </a:lnRef>
-          <a:fillRef idx="1">
-            <a:schemeClr val="accent1"/>
-          </a:fillRef>
-          <a:effectRef idx="0">
-            <a:schemeClr val="accent1"/>
-          </a:effectRef>
-          <a:fontRef idx="minor">
-            <a:schemeClr val="lt1"/>
-          </a:fontRef>
-        </p:style>
-        <p:txBody>
-          <a:bodyPr rtlCol="0" anchor="ctr"/>
-          <a:lstStyle/>
-          <a:p>
-            <a:pPr algn="ctr"/>
-            <a:r>
-              <a:rPr lang="en-IN" dirty="0"/>
-              <a:t>Implementing Prediction Models</a:t>
             </a:r>
             <a:endParaRPr lang="en-US" dirty="0"/>
           </a:p>
@@ -10591,67 +10336,24 @@
       </p:cxnSp>
       <p:cxnSp>
         <p:nvCxnSpPr>
-          <p:cNvPr id="48" name="Straight Arrow Connector 47">
-            <a:extLst>
-              <a:ext uri="{FF2B5EF4-FFF2-40B4-BE49-F238E27FC236}">
-                <a16:creationId xmlns:a16="http://schemas.microsoft.com/office/drawing/2014/main" id="{E4E754A6-43E9-615A-FC66-207AC9D8F8B5}"/>
+          <p:cNvPr id="54" name="Straight Arrow Connector 53">
+            <a:extLst>
+              <a:ext uri="{FF2B5EF4-FFF2-40B4-BE49-F238E27FC236}">
+                <a16:creationId xmlns:a16="http://schemas.microsoft.com/office/drawing/2014/main" id="{7DDFD4BB-2692-AEC7-3E2E-3A51B321BD07}"/>
               </a:ext>
             </a:extLst>
           </p:cNvPr>
           <p:cNvCxnSpPr>
             <a:cxnSpLocks/>
-            <a:stCxn id="28" idx="1"/>
-            <a:endCxn id="7" idx="3"/>
+            <a:stCxn id="53" idx="2"/>
+            <a:endCxn id="1063" idx="0"/>
           </p:cNvCxnSpPr>
           <p:nvPr/>
         </p:nvCxnSpPr>
         <p:spPr>
-          <a:xfrm flipH="1">
-            <a:off x="8208733" y="2913492"/>
-            <a:ext cx="697907" cy="103031"/>
-          </a:xfrm>
-          <a:prstGeom prst="straightConnector1">
-            <a:avLst/>
-          </a:prstGeom>
-          <a:ln>
-            <a:tailEnd type="triangle"/>
-          </a:ln>
-        </p:spPr>
-        <p:style>
-          <a:lnRef idx="1">
-            <a:schemeClr val="accent1"/>
-          </a:lnRef>
-          <a:fillRef idx="0">
-            <a:schemeClr val="accent1"/>
-          </a:fillRef>
-          <a:effectRef idx="0">
-            <a:schemeClr val="accent1"/>
-          </a:effectRef>
-          <a:fontRef idx="minor">
-            <a:schemeClr val="tx1"/>
-          </a:fontRef>
-        </p:style>
-      </p:cxnSp>
-      <p:cxnSp>
-        <p:nvCxnSpPr>
-          <p:cNvPr id="54" name="Straight Arrow Connector 53">
-            <a:extLst>
-              <a:ext uri="{FF2B5EF4-FFF2-40B4-BE49-F238E27FC236}">
-                <a16:creationId xmlns:a16="http://schemas.microsoft.com/office/drawing/2014/main" id="{7DDFD4BB-2692-AEC7-3E2E-3A51B321BD07}"/>
-              </a:ext>
-            </a:extLst>
-          </p:cNvPr>
-          <p:cNvCxnSpPr>
-            <a:cxnSpLocks/>
-            <a:stCxn id="27" idx="2"/>
-            <a:endCxn id="28" idx="0"/>
-          </p:cNvCxnSpPr>
-          <p:nvPr/>
-        </p:nvCxnSpPr>
-        <p:spPr>
-          <a:xfrm>
-            <a:off x="9821578" y="2207308"/>
-            <a:ext cx="59934" cy="383044"/>
+          <a:xfrm>
+            <a:off x="9821575" y="3737808"/>
+            <a:ext cx="1" cy="551995"/>
           </a:xfrm>
           <a:prstGeom prst="straightConnector1">
             <a:avLst/>
@@ -10729,15 +10431,15 @@
           </p:cNvPr>
           <p:cNvCxnSpPr>
             <a:cxnSpLocks/>
-            <a:stCxn id="55" idx="2"/>
+            <a:stCxn id="1062" idx="2"/>
             <a:endCxn id="5" idx="0"/>
           </p:cNvCxnSpPr>
           <p:nvPr/>
         </p:nvCxnSpPr>
         <p:spPr>
-          <a:xfrm>
-            <a:off x="6096000" y="4682636"/>
-            <a:ext cx="0" cy="362275"/>
+          <a:xfrm flipH="1">
+            <a:off x="6207488" y="5034419"/>
+            <a:ext cx="1" cy="239181"/>
           </a:xfrm>
           <a:prstGeom prst="straightConnector1">
             <a:avLst/>
@@ -10915,7 +10617,7 @@
         </p:nvSpPr>
         <p:spPr>
           <a:xfrm>
-            <a:off x="8355957" y="3882181"/>
+            <a:off x="8289185" y="2993192"/>
             <a:ext cx="3064780" cy="744616"/>
           </a:xfrm>
           <a:prstGeom prst="roundRect">
@@ -10970,7 +10672,7 @@
         </p:nvSpPr>
         <p:spPr>
           <a:xfrm>
-            <a:off x="4563610" y="3938020"/>
+            <a:off x="4685267" y="2998023"/>
             <a:ext cx="3064780" cy="744616"/>
           </a:xfrm>
           <a:prstGeom prst="roundRect">
@@ -11025,7 +10727,7 @@
         </p:nvSpPr>
         <p:spPr>
           <a:xfrm>
-            <a:off x="8263639" y="4976696"/>
+            <a:off x="8196869" y="5258221"/>
             <a:ext cx="3249415" cy="892079"/>
           </a:xfrm>
           <a:prstGeom prst="roundRect">
@@ -11068,66 +10770,24 @@
       </p:sp>
       <p:cxnSp>
         <p:nvCxnSpPr>
-          <p:cNvPr id="1038" name="Straight Arrow Connector 1037">
-            <a:extLst>
-              <a:ext uri="{FF2B5EF4-FFF2-40B4-BE49-F238E27FC236}">
-                <a16:creationId xmlns:a16="http://schemas.microsoft.com/office/drawing/2014/main" id="{AC5A162E-B5E9-0570-BD34-B7552B19F552}"/>
+          <p:cNvPr id="1039" name="Straight Arrow Connector 1038">
+            <a:extLst>
+              <a:ext uri="{FF2B5EF4-FFF2-40B4-BE49-F238E27FC236}">
+                <a16:creationId xmlns:a16="http://schemas.microsoft.com/office/drawing/2014/main" id="{39A6DC33-D095-FDDD-FE1D-B972E05B9256}"/>
               </a:ext>
             </a:extLst>
           </p:cNvPr>
           <p:cNvCxnSpPr>
             <a:cxnSpLocks/>
-            <a:stCxn id="10" idx="2"/>
-          </p:cNvCxnSpPr>
-          <p:nvPr/>
-        </p:nvCxnSpPr>
-        <p:spPr>
-          <a:xfrm flipH="1">
-            <a:off x="6062630" y="2189477"/>
-            <a:ext cx="491776" cy="1771804"/>
-          </a:xfrm>
-          <a:prstGeom prst="straightConnector1">
-            <a:avLst/>
-          </a:prstGeom>
-          <a:ln>
-            <a:tailEnd type="triangle"/>
-          </a:ln>
-        </p:spPr>
-        <p:style>
-          <a:lnRef idx="1">
-            <a:schemeClr val="accent1"/>
-          </a:lnRef>
-          <a:fillRef idx="0">
-            <a:schemeClr val="accent1"/>
-          </a:fillRef>
-          <a:effectRef idx="0">
-            <a:schemeClr val="accent1"/>
-          </a:effectRef>
-          <a:fontRef idx="minor">
-            <a:schemeClr val="tx1"/>
-          </a:fontRef>
-        </p:style>
-      </p:cxnSp>
-      <p:cxnSp>
-        <p:nvCxnSpPr>
-          <p:cNvPr id="1039" name="Straight Arrow Connector 1038">
-            <a:extLst>
-              <a:ext uri="{FF2B5EF4-FFF2-40B4-BE49-F238E27FC236}">
-                <a16:creationId xmlns:a16="http://schemas.microsoft.com/office/drawing/2014/main" id="{39A6DC33-D095-FDDD-FE1D-B972E05B9256}"/>
-              </a:ext>
-            </a:extLst>
-          </p:cNvPr>
-          <p:cNvCxnSpPr>
-            <a:cxnSpLocks/>
-            <a:stCxn id="28" idx="2"/>
+            <a:stCxn id="27" idx="2"/>
             <a:endCxn id="53" idx="0"/>
           </p:cNvCxnSpPr>
           <p:nvPr/>
         </p:nvCxnSpPr>
         <p:spPr>
-          <a:xfrm>
-            <a:off x="9881512" y="3236631"/>
-            <a:ext cx="6835" cy="645550"/>
+          <a:xfrm flipH="1">
+            <a:off x="9821575" y="2207308"/>
+            <a:ext cx="3" cy="785884"/>
           </a:xfrm>
           <a:prstGeom prst="straightConnector1">
             <a:avLst/>
@@ -11162,15 +10822,211 @@
           </p:cNvPr>
           <p:cNvCxnSpPr>
             <a:cxnSpLocks/>
-            <a:stCxn id="53" idx="2"/>
+            <a:stCxn id="1063" idx="2"/>
             <a:endCxn id="60" idx="0"/>
           </p:cNvCxnSpPr>
           <p:nvPr/>
         </p:nvCxnSpPr>
         <p:spPr>
           <a:xfrm>
-            <a:off x="9888347" y="4626797"/>
-            <a:ext cx="0" cy="349899"/>
+            <a:off x="9821576" y="5034419"/>
+            <a:ext cx="1" cy="223802"/>
+          </a:xfrm>
+          <a:prstGeom prst="straightConnector1">
+            <a:avLst/>
+          </a:prstGeom>
+          <a:ln>
+            <a:tailEnd type="triangle"/>
+          </a:ln>
+        </p:spPr>
+        <p:style>
+          <a:lnRef idx="1">
+            <a:schemeClr val="accent1"/>
+          </a:lnRef>
+          <a:fillRef idx="0">
+            <a:schemeClr val="accent1"/>
+          </a:fillRef>
+          <a:effectRef idx="0">
+            <a:schemeClr val="accent1"/>
+          </a:effectRef>
+          <a:fontRef idx="minor">
+            <a:schemeClr val="tx1"/>
+          </a:fontRef>
+        </p:style>
+      </p:cxnSp>
+      <p:sp>
+        <p:nvSpPr>
+          <p:cNvPr id="1062" name="Rectangle: Rounded Corners 6">
+            <a:extLst>
+              <a:ext uri="{FF2B5EF4-FFF2-40B4-BE49-F238E27FC236}">
+                <a16:creationId xmlns:a16="http://schemas.microsoft.com/office/drawing/2014/main" id="{D06CFA30-D0AD-23DA-133E-8A335EEF1DC8}"/>
+              </a:ext>
+            </a:extLst>
+          </p:cNvPr>
+          <p:cNvSpPr/>
+          <p:nvPr/>
+        </p:nvSpPr>
+        <p:spPr>
+          <a:xfrm>
+            <a:off x="4675099" y="4289803"/>
+            <a:ext cx="3064780" cy="744616"/>
+          </a:xfrm>
+          <a:prstGeom prst="roundRect">
+            <a:avLst/>
+          </a:prstGeom>
+          <a:ln>
+            <a:solidFill>
+              <a:schemeClr val="bg1"/>
+            </a:solidFill>
+          </a:ln>
+        </p:spPr>
+        <p:style>
+          <a:lnRef idx="2">
+            <a:schemeClr val="accent1">
+              <a:shade val="50000"/>
+            </a:schemeClr>
+          </a:lnRef>
+          <a:fillRef idx="1">
+            <a:schemeClr val="accent1"/>
+          </a:fillRef>
+          <a:effectRef idx="0">
+            <a:schemeClr val="accent1"/>
+          </a:effectRef>
+          <a:fontRef idx="minor">
+            <a:schemeClr val="lt1"/>
+          </a:fontRef>
+        </p:style>
+        <p:txBody>
+          <a:bodyPr rtlCol="0" anchor="ctr"/>
+          <a:lstStyle/>
+          <a:p>
+            <a:pPr algn="ctr"/>
+            <a:r>
+              <a:rPr lang="en-IN" dirty="0"/>
+              <a:t>Implementing Prediction Models</a:t>
+            </a:r>
+            <a:endParaRPr lang="en-US" dirty="0"/>
+          </a:p>
+        </p:txBody>
+      </p:sp>
+      <p:sp>
+        <p:nvSpPr>
+          <p:cNvPr id="1063" name="Rectangle: Rounded Corners 6">
+            <a:extLst>
+              <a:ext uri="{FF2B5EF4-FFF2-40B4-BE49-F238E27FC236}">
+                <a16:creationId xmlns:a16="http://schemas.microsoft.com/office/drawing/2014/main" id="{CB3997CD-E7B8-AF98-6316-8D63843B6C26}"/>
+              </a:ext>
+            </a:extLst>
+          </p:cNvPr>
+          <p:cNvSpPr/>
+          <p:nvPr/>
+        </p:nvSpPr>
+        <p:spPr>
+          <a:xfrm>
+            <a:off x="8289186" y="4289803"/>
+            <a:ext cx="3064780" cy="744616"/>
+          </a:xfrm>
+          <a:prstGeom prst="roundRect">
+            <a:avLst/>
+          </a:prstGeom>
+          <a:ln>
+            <a:solidFill>
+              <a:schemeClr val="bg1"/>
+            </a:solidFill>
+          </a:ln>
+        </p:spPr>
+        <p:style>
+          <a:lnRef idx="2">
+            <a:schemeClr val="accent1">
+              <a:shade val="50000"/>
+            </a:schemeClr>
+          </a:lnRef>
+          <a:fillRef idx="1">
+            <a:schemeClr val="accent1"/>
+          </a:fillRef>
+          <a:effectRef idx="0">
+            <a:schemeClr val="accent1"/>
+          </a:effectRef>
+          <a:fontRef idx="minor">
+            <a:schemeClr val="lt1"/>
+          </a:fontRef>
+        </p:style>
+        <p:txBody>
+          <a:bodyPr rtlCol="0" anchor="ctr"/>
+          <a:lstStyle/>
+          <a:p>
+            <a:pPr algn="ctr"/>
+            <a:r>
+              <a:rPr lang="en-IN" dirty="0"/>
+              <a:t>Implementing Prediction Models</a:t>
+            </a:r>
+            <a:endParaRPr lang="en-US" dirty="0"/>
+          </a:p>
+        </p:txBody>
+      </p:sp>
+      <p:cxnSp>
+        <p:nvCxnSpPr>
+          <p:cNvPr id="1101" name="Straight Arrow Connector 1100">
+            <a:extLst>
+              <a:ext uri="{FF2B5EF4-FFF2-40B4-BE49-F238E27FC236}">
+                <a16:creationId xmlns:a16="http://schemas.microsoft.com/office/drawing/2014/main" id="{B9DCE56A-B122-D6A8-5AAA-82B4373A8614}"/>
+              </a:ext>
+            </a:extLst>
+          </p:cNvPr>
+          <p:cNvCxnSpPr>
+            <a:cxnSpLocks/>
+            <a:stCxn id="55" idx="2"/>
+            <a:endCxn id="1062" idx="0"/>
+          </p:cNvCxnSpPr>
+          <p:nvPr/>
+        </p:nvCxnSpPr>
+        <p:spPr>
+          <a:xfrm flipH="1">
+            <a:off x="6207489" y="3742639"/>
+            <a:ext cx="10168" cy="547164"/>
+          </a:xfrm>
+          <a:prstGeom prst="straightConnector1">
+            <a:avLst/>
+          </a:prstGeom>
+          <a:ln>
+            <a:tailEnd type="triangle"/>
+          </a:ln>
+        </p:spPr>
+        <p:style>
+          <a:lnRef idx="1">
+            <a:schemeClr val="accent1"/>
+          </a:lnRef>
+          <a:fillRef idx="0">
+            <a:schemeClr val="accent1"/>
+          </a:fillRef>
+          <a:effectRef idx="0">
+            <a:schemeClr val="accent1"/>
+          </a:effectRef>
+          <a:fontRef idx="minor">
+            <a:schemeClr val="tx1"/>
+          </a:fontRef>
+        </p:style>
+      </p:cxnSp>
+      <p:cxnSp>
+        <p:nvCxnSpPr>
+          <p:cNvPr id="1105" name="Straight Arrow Connector 1104">
+            <a:extLst>
+              <a:ext uri="{FF2B5EF4-FFF2-40B4-BE49-F238E27FC236}">
+                <a16:creationId xmlns:a16="http://schemas.microsoft.com/office/drawing/2014/main" id="{8521C541-AA7A-54AC-8862-11DEAF0FBE70}"/>
+              </a:ext>
+            </a:extLst>
+          </p:cNvPr>
+          <p:cNvCxnSpPr>
+            <a:cxnSpLocks/>
+            <a:stCxn id="27" idx="2"/>
+            <a:endCxn id="55" idx="0"/>
+          </p:cNvCxnSpPr>
+          <p:nvPr/>
+        </p:nvCxnSpPr>
+        <p:spPr>
+          <a:xfrm flipH="1">
+            <a:off x="6217657" y="2207308"/>
+            <a:ext cx="3603921" cy="790715"/>
           </a:xfrm>
           <a:prstGeom prst="straightConnector1">
             <a:avLst/>
